--- a/Documents/RFSoC_Design_Simplified.pptx
+++ b/Documents/RFSoC_Design_Simplified.pptx
@@ -17,7 +17,9 @@
     <p:sldId id="269" r:id="rId11"/>
     <p:sldId id="270" r:id="rId12"/>
     <p:sldId id="264" r:id="rId13"/>
-    <p:sldId id="273" r:id="rId14"/>
+    <p:sldId id="276" r:id="rId14"/>
+    <p:sldId id="275" r:id="rId15"/>
+    <p:sldId id="273" r:id="rId16"/>
   </p:sldIdLst>
   <p:sldSz cx="12192000" cy="6858000"/>
   <p:notesSz cx="6858000" cy="9144000"/>
@@ -271,7 +273,7 @@
           <a:p>
             <a:fld id="{4BCFB9E3-1A25-40D8-A1F2-1B6E2C7DEF49}" type="datetimeFigureOut">
               <a:rPr lang="ko-KR" altLang="en-US" smtClean="0"/>
-              <a:t>2023-02-23</a:t>
+              <a:t>2023-03-14</a:t>
             </a:fld>
             <a:endParaRPr lang="ko-KR" altLang="en-US"/>
           </a:p>
@@ -469,7 +471,7 @@
           <a:p>
             <a:fld id="{4BCFB9E3-1A25-40D8-A1F2-1B6E2C7DEF49}" type="datetimeFigureOut">
               <a:rPr lang="ko-KR" altLang="en-US" smtClean="0"/>
-              <a:t>2023-02-23</a:t>
+              <a:t>2023-03-14</a:t>
             </a:fld>
             <a:endParaRPr lang="ko-KR" altLang="en-US"/>
           </a:p>
@@ -677,7 +679,7 @@
           <a:p>
             <a:fld id="{4BCFB9E3-1A25-40D8-A1F2-1B6E2C7DEF49}" type="datetimeFigureOut">
               <a:rPr lang="ko-KR" altLang="en-US" smtClean="0"/>
-              <a:t>2023-02-23</a:t>
+              <a:t>2023-03-14</a:t>
             </a:fld>
             <a:endParaRPr lang="ko-KR" altLang="en-US"/>
           </a:p>
@@ -875,7 +877,7 @@
           <a:p>
             <a:fld id="{4BCFB9E3-1A25-40D8-A1F2-1B6E2C7DEF49}" type="datetimeFigureOut">
               <a:rPr lang="ko-KR" altLang="en-US" smtClean="0"/>
-              <a:t>2023-02-23</a:t>
+              <a:t>2023-03-14</a:t>
             </a:fld>
             <a:endParaRPr lang="ko-KR" altLang="en-US"/>
           </a:p>
@@ -1150,7 +1152,7 @@
           <a:p>
             <a:fld id="{4BCFB9E3-1A25-40D8-A1F2-1B6E2C7DEF49}" type="datetimeFigureOut">
               <a:rPr lang="ko-KR" altLang="en-US" smtClean="0"/>
-              <a:t>2023-02-23</a:t>
+              <a:t>2023-03-14</a:t>
             </a:fld>
             <a:endParaRPr lang="ko-KR" altLang="en-US"/>
           </a:p>
@@ -1415,7 +1417,7 @@
           <a:p>
             <a:fld id="{4BCFB9E3-1A25-40D8-A1F2-1B6E2C7DEF49}" type="datetimeFigureOut">
               <a:rPr lang="ko-KR" altLang="en-US" smtClean="0"/>
-              <a:t>2023-02-23</a:t>
+              <a:t>2023-03-14</a:t>
             </a:fld>
             <a:endParaRPr lang="ko-KR" altLang="en-US"/>
           </a:p>
@@ -1827,7 +1829,7 @@
           <a:p>
             <a:fld id="{4BCFB9E3-1A25-40D8-A1F2-1B6E2C7DEF49}" type="datetimeFigureOut">
               <a:rPr lang="ko-KR" altLang="en-US" smtClean="0"/>
-              <a:t>2023-02-23</a:t>
+              <a:t>2023-03-14</a:t>
             </a:fld>
             <a:endParaRPr lang="ko-KR" altLang="en-US"/>
           </a:p>
@@ -1968,7 +1970,7 @@
           <a:p>
             <a:fld id="{4BCFB9E3-1A25-40D8-A1F2-1B6E2C7DEF49}" type="datetimeFigureOut">
               <a:rPr lang="ko-KR" altLang="en-US" smtClean="0"/>
-              <a:t>2023-02-23</a:t>
+              <a:t>2023-03-14</a:t>
             </a:fld>
             <a:endParaRPr lang="ko-KR" altLang="en-US"/>
           </a:p>
@@ -2081,7 +2083,7 @@
           <a:p>
             <a:fld id="{4BCFB9E3-1A25-40D8-A1F2-1B6E2C7DEF49}" type="datetimeFigureOut">
               <a:rPr lang="ko-KR" altLang="en-US" smtClean="0"/>
-              <a:t>2023-02-23</a:t>
+              <a:t>2023-03-14</a:t>
             </a:fld>
             <a:endParaRPr lang="ko-KR" altLang="en-US"/>
           </a:p>
@@ -2392,7 +2394,7 @@
           <a:p>
             <a:fld id="{4BCFB9E3-1A25-40D8-A1F2-1B6E2C7DEF49}" type="datetimeFigureOut">
               <a:rPr lang="ko-KR" altLang="en-US" smtClean="0"/>
-              <a:t>2023-02-23</a:t>
+              <a:t>2023-03-14</a:t>
             </a:fld>
             <a:endParaRPr lang="ko-KR" altLang="en-US"/>
           </a:p>
@@ -2680,7 +2682,7 @@
           <a:p>
             <a:fld id="{4BCFB9E3-1A25-40D8-A1F2-1B6E2C7DEF49}" type="datetimeFigureOut">
               <a:rPr lang="ko-KR" altLang="en-US" smtClean="0"/>
-              <a:t>2023-02-23</a:t>
+              <a:t>2023-03-14</a:t>
             </a:fld>
             <a:endParaRPr lang="ko-KR" altLang="en-US"/>
           </a:p>
@@ -2921,7 +2923,7 @@
           <a:p>
             <a:fld id="{4BCFB9E3-1A25-40D8-A1F2-1B6E2C7DEF49}" type="datetimeFigureOut">
               <a:rPr lang="ko-KR" altLang="en-US" smtClean="0"/>
-              <a:t>2023-02-23</a:t>
+              <a:t>2023-03-14</a:t>
             </a:fld>
             <a:endParaRPr lang="ko-KR" altLang="en-US"/>
           </a:p>
@@ -13330,7 +13332,7 @@
         </p:nvSpPr>
         <p:spPr>
           <a:xfrm>
-            <a:off x="417688" y="109854"/>
+            <a:off x="417688" y="70343"/>
             <a:ext cx="10515600" cy="472302"/>
           </a:xfrm>
         </p:spPr>
@@ -16099,6 +16101,2129 @@
       </p:grpSpPr>
       <p:sp>
         <p:nvSpPr>
+          <p:cNvPr id="4" name="직사각형 3">
+            <a:extLst>
+              <a:ext uri="{FF2B5EF4-FFF2-40B4-BE49-F238E27FC236}">
+                <a16:creationId xmlns:a16="http://schemas.microsoft.com/office/drawing/2014/main" id="{2780E3BB-A754-F332-398E-AFC9327D73BB}"/>
+              </a:ext>
+            </a:extLst>
+          </p:cNvPr>
+          <p:cNvSpPr/>
+          <p:nvPr/>
+        </p:nvSpPr>
+        <p:spPr>
+          <a:xfrm>
+            <a:off x="530576" y="755782"/>
+            <a:ext cx="3110090" cy="943196"/>
+          </a:xfrm>
+          <a:prstGeom prst="rect">
+            <a:avLst/>
+          </a:prstGeom>
+          <a:noFill/>
+          <a:ln>
+            <a:noFill/>
+          </a:ln>
+        </p:spPr>
+        <p:style>
+          <a:lnRef idx="2">
+            <a:schemeClr val="accent1">
+              <a:shade val="50000"/>
+            </a:schemeClr>
+          </a:lnRef>
+          <a:fillRef idx="1">
+            <a:schemeClr val="accent1"/>
+          </a:fillRef>
+          <a:effectRef idx="0">
+            <a:schemeClr val="accent1"/>
+          </a:effectRef>
+          <a:fontRef idx="minor">
+            <a:schemeClr val="lt1"/>
+          </a:fontRef>
+        </p:style>
+        <p:txBody>
+          <a:bodyPr rtlCol="0" anchor="t"/>
+          <a:lstStyle/>
+          <a:p>
+            <a:r>
+              <a:rPr lang="en-US" altLang="ko-KR" sz="900">
+                <a:solidFill>
+                  <a:schemeClr val="tx1"/>
+                </a:solidFill>
+              </a:rPr>
+              <a:t>OS should be made to solve timestamp problem</a:t>
+            </a:r>
+          </a:p>
+          <a:p>
+            <a:r>
+              <a:rPr lang="en-US" altLang="ko-KR" sz="900">
+                <a:solidFill>
+                  <a:schemeClr val="tx1"/>
+                </a:solidFill>
+              </a:rPr>
+              <a:t>e.g.</a:t>
+            </a:r>
+          </a:p>
+          <a:p>
+            <a:r>
+              <a:rPr lang="en-US" altLang="ko-KR" sz="900">
+                <a:solidFill>
+                  <a:schemeClr val="tx1"/>
+                </a:solidFill>
+              </a:rPr>
+              <a:t>@1 DEVICE1()</a:t>
+            </a:r>
+          </a:p>
+          <a:p>
+            <a:r>
+              <a:rPr lang="en-US" altLang="ko-KR" sz="900">
+                <a:solidFill>
+                  <a:schemeClr val="tx1"/>
+                </a:solidFill>
+              </a:rPr>
+              <a:t>@5 DEVICE1()</a:t>
+            </a:r>
+          </a:p>
+          <a:p>
+            <a:r>
+              <a:rPr lang="en-US" altLang="ko-KR" sz="900">
+                <a:solidFill>
+                  <a:schemeClr val="tx1"/>
+                </a:solidFill>
+              </a:rPr>
+              <a:t>@3 DEVICE2()</a:t>
+            </a:r>
+          </a:p>
+          <a:p>
+            <a:r>
+              <a:rPr lang="en-US" altLang="ko-KR" sz="900">
+                <a:solidFill>
+                  <a:schemeClr val="tx1"/>
+                </a:solidFill>
+              </a:rPr>
+              <a:t>-&gt;DEVICE2 timestamp error</a:t>
+            </a:r>
+            <a:endParaRPr lang="ko-KR" altLang="en-US" sz="900">
+              <a:solidFill>
+                <a:schemeClr val="tx1"/>
+              </a:solidFill>
+            </a:endParaRPr>
+          </a:p>
+        </p:txBody>
+      </p:sp>
+      <p:sp>
+        <p:nvSpPr>
+          <p:cNvPr id="5" name="직사각형 4">
+            <a:extLst>
+              <a:ext uri="{FF2B5EF4-FFF2-40B4-BE49-F238E27FC236}">
+                <a16:creationId xmlns:a16="http://schemas.microsoft.com/office/drawing/2014/main" id="{76A8F387-5530-C547-BBDD-889BACD63EAE}"/>
+              </a:ext>
+            </a:extLst>
+          </p:cNvPr>
+          <p:cNvSpPr/>
+          <p:nvPr/>
+        </p:nvSpPr>
+        <p:spPr>
+          <a:xfrm>
+            <a:off x="620889" y="1924756"/>
+            <a:ext cx="1975556" cy="1693333"/>
+          </a:xfrm>
+          <a:prstGeom prst="rect">
+            <a:avLst/>
+          </a:prstGeom>
+          <a:noFill/>
+        </p:spPr>
+        <p:style>
+          <a:lnRef idx="2">
+            <a:schemeClr val="accent1">
+              <a:shade val="50000"/>
+            </a:schemeClr>
+          </a:lnRef>
+          <a:fillRef idx="1">
+            <a:schemeClr val="accent1"/>
+          </a:fillRef>
+          <a:effectRef idx="0">
+            <a:schemeClr val="accent1"/>
+          </a:effectRef>
+          <a:fontRef idx="minor">
+            <a:schemeClr val="lt1"/>
+          </a:fontRef>
+        </p:style>
+        <p:txBody>
+          <a:bodyPr rtlCol="0" anchor="t"/>
+          <a:lstStyle/>
+          <a:p>
+            <a:pPr algn="ctr"/>
+            <a:r>
+              <a:rPr lang="en-US" altLang="ko-KR">
+                <a:solidFill>
+                  <a:schemeClr val="tx1"/>
+                </a:solidFill>
+              </a:rPr>
+              <a:t>Task1</a:t>
+            </a:r>
+          </a:p>
+          <a:p>
+            <a:pPr algn="ctr"/>
+            <a:r>
+              <a:rPr lang="en-US" altLang="ko-KR">
+                <a:solidFill>
+                  <a:schemeClr val="tx1"/>
+                </a:solidFill>
+              </a:rPr>
+              <a:t>@1 DEVICE1()</a:t>
+            </a:r>
+          </a:p>
+          <a:p>
+            <a:pPr algn="ctr"/>
+            <a:r>
+              <a:rPr lang="en-US" altLang="ko-KR">
+                <a:solidFill>
+                  <a:schemeClr val="tx1"/>
+                </a:solidFill>
+              </a:rPr>
+              <a:t>@5 DEVICE1()</a:t>
+            </a:r>
+            <a:endParaRPr lang="ko-KR" altLang="en-US">
+              <a:solidFill>
+                <a:schemeClr val="tx1"/>
+              </a:solidFill>
+            </a:endParaRPr>
+          </a:p>
+        </p:txBody>
+      </p:sp>
+      <p:sp>
+        <p:nvSpPr>
+          <p:cNvPr id="6" name="직사각형 5">
+            <a:extLst>
+              <a:ext uri="{FF2B5EF4-FFF2-40B4-BE49-F238E27FC236}">
+                <a16:creationId xmlns:a16="http://schemas.microsoft.com/office/drawing/2014/main" id="{BF45B7C0-DC0A-1197-A675-A94AE4FC2D23}"/>
+              </a:ext>
+            </a:extLst>
+          </p:cNvPr>
+          <p:cNvSpPr/>
+          <p:nvPr/>
+        </p:nvSpPr>
+        <p:spPr>
+          <a:xfrm>
+            <a:off x="2726267" y="1924756"/>
+            <a:ext cx="1975556" cy="1693333"/>
+          </a:xfrm>
+          <a:prstGeom prst="rect">
+            <a:avLst/>
+          </a:prstGeom>
+          <a:noFill/>
+        </p:spPr>
+        <p:style>
+          <a:lnRef idx="2">
+            <a:schemeClr val="accent1">
+              <a:shade val="50000"/>
+            </a:schemeClr>
+          </a:lnRef>
+          <a:fillRef idx="1">
+            <a:schemeClr val="accent1"/>
+          </a:fillRef>
+          <a:effectRef idx="0">
+            <a:schemeClr val="accent1"/>
+          </a:effectRef>
+          <a:fontRef idx="minor">
+            <a:schemeClr val="lt1"/>
+          </a:fontRef>
+        </p:style>
+        <p:txBody>
+          <a:bodyPr rtlCol="0" anchor="t"/>
+          <a:lstStyle/>
+          <a:p>
+            <a:pPr algn="ctr"/>
+            <a:r>
+              <a:rPr lang="en-US" altLang="ko-KR">
+                <a:solidFill>
+                  <a:schemeClr val="tx1"/>
+                </a:solidFill>
+              </a:rPr>
+              <a:t>Task2</a:t>
+            </a:r>
+          </a:p>
+          <a:p>
+            <a:pPr algn="ctr"/>
+            <a:r>
+              <a:rPr lang="en-US" altLang="ko-KR">
+                <a:solidFill>
+                  <a:schemeClr val="tx1"/>
+                </a:solidFill>
+              </a:rPr>
+              <a:t>@3 DEVICE2()</a:t>
+            </a:r>
+            <a:endParaRPr lang="ko-KR" altLang="en-US">
+              <a:solidFill>
+                <a:schemeClr val="tx1"/>
+              </a:solidFill>
+            </a:endParaRPr>
+          </a:p>
+          <a:p>
+            <a:pPr algn="ctr"/>
+            <a:endParaRPr lang="ko-KR" altLang="en-US">
+              <a:solidFill>
+                <a:schemeClr val="tx1"/>
+              </a:solidFill>
+            </a:endParaRPr>
+          </a:p>
+        </p:txBody>
+      </p:sp>
+      <p:sp>
+        <p:nvSpPr>
+          <p:cNvPr id="7" name="직사각형 6">
+            <a:extLst>
+              <a:ext uri="{FF2B5EF4-FFF2-40B4-BE49-F238E27FC236}">
+                <a16:creationId xmlns:a16="http://schemas.microsoft.com/office/drawing/2014/main" id="{31870757-63A0-DDA4-DC40-E0C2B65A57D1}"/>
+              </a:ext>
+            </a:extLst>
+          </p:cNvPr>
+          <p:cNvSpPr/>
+          <p:nvPr/>
+        </p:nvSpPr>
+        <p:spPr>
+          <a:xfrm>
+            <a:off x="620889" y="4571427"/>
+            <a:ext cx="3110090" cy="943196"/>
+          </a:xfrm>
+          <a:prstGeom prst="rect">
+            <a:avLst/>
+          </a:prstGeom>
+          <a:noFill/>
+          <a:ln>
+            <a:noFill/>
+          </a:ln>
+        </p:spPr>
+        <p:style>
+          <a:lnRef idx="2">
+            <a:schemeClr val="accent1">
+              <a:shade val="50000"/>
+            </a:schemeClr>
+          </a:lnRef>
+          <a:fillRef idx="1">
+            <a:schemeClr val="accent1"/>
+          </a:fillRef>
+          <a:effectRef idx="0">
+            <a:schemeClr val="accent1"/>
+          </a:effectRef>
+          <a:fontRef idx="minor">
+            <a:schemeClr val="lt1"/>
+          </a:fontRef>
+        </p:style>
+        <p:txBody>
+          <a:bodyPr rtlCol="0" anchor="t"/>
+          <a:lstStyle/>
+          <a:p>
+            <a:r>
+              <a:rPr lang="en-US" altLang="ko-KR" sz="900">
+                <a:solidFill>
+                  <a:schemeClr val="tx1"/>
+                </a:solidFill>
+              </a:rPr>
+              <a:t>or user should not write code like this!</a:t>
+            </a:r>
+            <a:endParaRPr lang="ko-KR" altLang="en-US" sz="900">
+              <a:solidFill>
+                <a:schemeClr val="tx1"/>
+              </a:solidFill>
+            </a:endParaRPr>
+          </a:p>
+        </p:txBody>
+      </p:sp>
+    </p:spTree>
+    <p:extLst>
+      <p:ext uri="{BB962C8B-B14F-4D97-AF65-F5344CB8AC3E}">
+        <p14:creationId xmlns:p14="http://schemas.microsoft.com/office/powerpoint/2010/main" val="285836095"/>
+      </p:ext>
+    </p:extLst>
+  </p:cSld>
+  <p:clrMapOvr>
+    <a:masterClrMapping/>
+  </p:clrMapOvr>
+</p:sld>
+</file>
+
+<file path=ppt/slides/slide14.xml><?xml version="1.0" encoding="utf-8"?>
+<p:sld xmlns:a="http://schemas.openxmlformats.org/drawingml/2006/main" xmlns:r="http://schemas.openxmlformats.org/officeDocument/2006/relationships" xmlns:p="http://schemas.openxmlformats.org/presentationml/2006/main">
+  <p:cSld>
+    <p:spTree>
+      <p:nvGrpSpPr>
+        <p:cNvPr id="1" name=""/>
+        <p:cNvGrpSpPr/>
+        <p:nvPr/>
+      </p:nvGrpSpPr>
+      <p:grpSpPr>
+        <a:xfrm>
+          <a:off x="0" y="0"/>
+          <a:ext cx="0" cy="0"/>
+          <a:chOff x="0" y="0"/>
+          <a:chExt cx="0" cy="0"/>
+        </a:xfrm>
+      </p:grpSpPr>
+      <p:sp>
+        <p:nvSpPr>
+          <p:cNvPr id="4" name="내용 개체 틀 2">
+            <a:extLst>
+              <a:ext uri="{FF2B5EF4-FFF2-40B4-BE49-F238E27FC236}">
+                <a16:creationId xmlns:a16="http://schemas.microsoft.com/office/drawing/2014/main" id="{1611357A-2905-0AF8-17BB-14EBA101059D}"/>
+              </a:ext>
+            </a:extLst>
+          </p:cNvPr>
+          <p:cNvSpPr txBox="1">
+            <a:spLocks/>
+          </p:cNvSpPr>
+          <p:nvPr/>
+        </p:nvSpPr>
+        <p:spPr>
+          <a:xfrm>
+            <a:off x="417688" y="109854"/>
+            <a:ext cx="10515600" cy="472302"/>
+          </a:xfrm>
+          <a:prstGeom prst="rect">
+            <a:avLst/>
+          </a:prstGeom>
+        </p:spPr>
+        <p:txBody>
+          <a:bodyPr vert="horz" lIns="91440" tIns="45720" rIns="91440" bIns="45720" rtlCol="0">
+            <a:normAutofit lnSpcReduction="10000"/>
+          </a:bodyPr>
+          <a:lstStyle>
+            <a:lvl1pPr marL="228600" indent="-228600" algn="l" defTabSz="914400" rtl="0" eaLnBrk="1" latinLnBrk="1" hangingPunct="1">
+              <a:lnSpc>
+                <a:spcPct val="90000"/>
+              </a:lnSpc>
+              <a:spcBef>
+                <a:spcPts val="1000"/>
+              </a:spcBef>
+              <a:buFont typeface="Arial" panose="020B0604020202020204" pitchFamily="34" charset="0"/>
+              <a:buChar char="•"/>
+              <a:defRPr sz="2800" kern="1200">
+                <a:solidFill>
+                  <a:schemeClr val="tx1"/>
+                </a:solidFill>
+                <a:latin typeface="+mn-lt"/>
+                <a:ea typeface="+mn-ea"/>
+                <a:cs typeface="+mn-cs"/>
+              </a:defRPr>
+            </a:lvl1pPr>
+            <a:lvl2pPr marL="685800" indent="-228600" algn="l" defTabSz="914400" rtl="0" eaLnBrk="1" latinLnBrk="1" hangingPunct="1">
+              <a:lnSpc>
+                <a:spcPct val="90000"/>
+              </a:lnSpc>
+              <a:spcBef>
+                <a:spcPts val="500"/>
+              </a:spcBef>
+              <a:buFont typeface="Arial" panose="020B0604020202020204" pitchFamily="34" charset="0"/>
+              <a:buChar char="•"/>
+              <a:defRPr sz="2400" kern="1200">
+                <a:solidFill>
+                  <a:schemeClr val="tx1"/>
+                </a:solidFill>
+                <a:latin typeface="+mn-lt"/>
+                <a:ea typeface="+mn-ea"/>
+                <a:cs typeface="+mn-cs"/>
+              </a:defRPr>
+            </a:lvl2pPr>
+            <a:lvl3pPr marL="1143000" indent="-228600" algn="l" defTabSz="914400" rtl="0" eaLnBrk="1" latinLnBrk="1" hangingPunct="1">
+              <a:lnSpc>
+                <a:spcPct val="90000"/>
+              </a:lnSpc>
+              <a:spcBef>
+                <a:spcPts val="500"/>
+              </a:spcBef>
+              <a:buFont typeface="Arial" panose="020B0604020202020204" pitchFamily="34" charset="0"/>
+              <a:buChar char="•"/>
+              <a:defRPr sz="2000" kern="1200">
+                <a:solidFill>
+                  <a:schemeClr val="tx1"/>
+                </a:solidFill>
+                <a:latin typeface="+mn-lt"/>
+                <a:ea typeface="+mn-ea"/>
+                <a:cs typeface="+mn-cs"/>
+              </a:defRPr>
+            </a:lvl3pPr>
+            <a:lvl4pPr marL="1600200" indent="-228600" algn="l" defTabSz="914400" rtl="0" eaLnBrk="1" latinLnBrk="1" hangingPunct="1">
+              <a:lnSpc>
+                <a:spcPct val="90000"/>
+              </a:lnSpc>
+              <a:spcBef>
+                <a:spcPts val="500"/>
+              </a:spcBef>
+              <a:buFont typeface="Arial" panose="020B0604020202020204" pitchFamily="34" charset="0"/>
+              <a:buChar char="•"/>
+              <a:defRPr sz="1800" kern="1200">
+                <a:solidFill>
+                  <a:schemeClr val="tx1"/>
+                </a:solidFill>
+                <a:latin typeface="+mn-lt"/>
+                <a:ea typeface="+mn-ea"/>
+                <a:cs typeface="+mn-cs"/>
+              </a:defRPr>
+            </a:lvl4pPr>
+            <a:lvl5pPr marL="2057400" indent="-228600" algn="l" defTabSz="914400" rtl="0" eaLnBrk="1" latinLnBrk="1" hangingPunct="1">
+              <a:lnSpc>
+                <a:spcPct val="90000"/>
+              </a:lnSpc>
+              <a:spcBef>
+                <a:spcPts val="500"/>
+              </a:spcBef>
+              <a:buFont typeface="Arial" panose="020B0604020202020204" pitchFamily="34" charset="0"/>
+              <a:buChar char="•"/>
+              <a:defRPr sz="1800" kern="1200">
+                <a:solidFill>
+                  <a:schemeClr val="tx1"/>
+                </a:solidFill>
+                <a:latin typeface="+mn-lt"/>
+                <a:ea typeface="+mn-ea"/>
+                <a:cs typeface="+mn-cs"/>
+              </a:defRPr>
+            </a:lvl5pPr>
+            <a:lvl6pPr marL="2514600" indent="-228600" algn="l" defTabSz="914400" rtl="0" eaLnBrk="1" latinLnBrk="1" hangingPunct="1">
+              <a:lnSpc>
+                <a:spcPct val="90000"/>
+              </a:lnSpc>
+              <a:spcBef>
+                <a:spcPts val="500"/>
+              </a:spcBef>
+              <a:buFont typeface="Arial" panose="020B0604020202020204" pitchFamily="34" charset="0"/>
+              <a:buChar char="•"/>
+              <a:defRPr sz="1800" kern="1200">
+                <a:solidFill>
+                  <a:schemeClr val="tx1"/>
+                </a:solidFill>
+                <a:latin typeface="+mn-lt"/>
+                <a:ea typeface="+mn-ea"/>
+                <a:cs typeface="+mn-cs"/>
+              </a:defRPr>
+            </a:lvl6pPr>
+            <a:lvl7pPr marL="2971800" indent="-228600" algn="l" defTabSz="914400" rtl="0" eaLnBrk="1" latinLnBrk="1" hangingPunct="1">
+              <a:lnSpc>
+                <a:spcPct val="90000"/>
+              </a:lnSpc>
+              <a:spcBef>
+                <a:spcPts val="500"/>
+              </a:spcBef>
+              <a:buFont typeface="Arial" panose="020B0604020202020204" pitchFamily="34" charset="0"/>
+              <a:buChar char="•"/>
+              <a:defRPr sz="1800" kern="1200">
+                <a:solidFill>
+                  <a:schemeClr val="tx1"/>
+                </a:solidFill>
+                <a:latin typeface="+mn-lt"/>
+                <a:ea typeface="+mn-ea"/>
+                <a:cs typeface="+mn-cs"/>
+              </a:defRPr>
+            </a:lvl7pPr>
+            <a:lvl8pPr marL="3429000" indent="-228600" algn="l" defTabSz="914400" rtl="0" eaLnBrk="1" latinLnBrk="1" hangingPunct="1">
+              <a:lnSpc>
+                <a:spcPct val="90000"/>
+              </a:lnSpc>
+              <a:spcBef>
+                <a:spcPts val="500"/>
+              </a:spcBef>
+              <a:buFont typeface="Arial" panose="020B0604020202020204" pitchFamily="34" charset="0"/>
+              <a:buChar char="•"/>
+              <a:defRPr sz="1800" kern="1200">
+                <a:solidFill>
+                  <a:schemeClr val="tx1"/>
+                </a:solidFill>
+                <a:latin typeface="+mn-lt"/>
+                <a:ea typeface="+mn-ea"/>
+                <a:cs typeface="+mn-cs"/>
+              </a:defRPr>
+            </a:lvl8pPr>
+            <a:lvl9pPr marL="3886200" indent="-228600" algn="l" defTabSz="914400" rtl="0" eaLnBrk="1" latinLnBrk="1" hangingPunct="1">
+              <a:lnSpc>
+                <a:spcPct val="90000"/>
+              </a:lnSpc>
+              <a:spcBef>
+                <a:spcPts val="500"/>
+              </a:spcBef>
+              <a:buFont typeface="Arial" panose="020B0604020202020204" pitchFamily="34" charset="0"/>
+              <a:buChar char="•"/>
+              <a:defRPr sz="1800" kern="1200">
+                <a:solidFill>
+                  <a:schemeClr val="tx1"/>
+                </a:solidFill>
+                <a:latin typeface="+mn-lt"/>
+                <a:ea typeface="+mn-ea"/>
+                <a:cs typeface="+mn-cs"/>
+              </a:defRPr>
+            </a:lvl9pPr>
+          </a:lstStyle>
+          <a:p>
+            <a:pPr marL="0" indent="0">
+              <a:buFont typeface="Arial" panose="020B0604020202020204" pitchFamily="34" charset="0"/>
+              <a:buNone/>
+            </a:pPr>
+            <a:r>
+              <a:rPr lang="en-US" altLang="ko-KR"/>
+              <a:t>Solution4</a:t>
+            </a:r>
+            <a:endParaRPr lang="ko-KR" altLang="en-US"/>
+          </a:p>
+        </p:txBody>
+      </p:sp>
+      <p:sp>
+        <p:nvSpPr>
+          <p:cNvPr id="5" name="직사각형 4">
+            <a:extLst>
+              <a:ext uri="{FF2B5EF4-FFF2-40B4-BE49-F238E27FC236}">
+                <a16:creationId xmlns:a16="http://schemas.microsoft.com/office/drawing/2014/main" id="{8E18C0D9-F05E-EA6B-3B99-4DF5C9D6F119}"/>
+              </a:ext>
+            </a:extLst>
+          </p:cNvPr>
+          <p:cNvSpPr/>
+          <p:nvPr/>
+        </p:nvSpPr>
+        <p:spPr>
+          <a:xfrm>
+            <a:off x="733786" y="603957"/>
+            <a:ext cx="1597370" cy="5328354"/>
+          </a:xfrm>
+          <a:prstGeom prst="rect">
+            <a:avLst/>
+          </a:prstGeom>
+          <a:noFill/>
+          <a:ln>
+            <a:noFill/>
+          </a:ln>
+        </p:spPr>
+        <p:style>
+          <a:lnRef idx="2">
+            <a:schemeClr val="accent1">
+              <a:shade val="50000"/>
+            </a:schemeClr>
+          </a:lnRef>
+          <a:fillRef idx="1">
+            <a:schemeClr val="accent1"/>
+          </a:fillRef>
+          <a:effectRef idx="0">
+            <a:schemeClr val="accent1"/>
+          </a:effectRef>
+          <a:fontRef idx="minor">
+            <a:schemeClr val="lt1"/>
+          </a:fontRef>
+        </p:style>
+        <p:txBody>
+          <a:bodyPr rtlCol="0" anchor="ctr"/>
+          <a:lstStyle/>
+          <a:p>
+            <a:r>
+              <a:rPr lang="en-US" altLang="ko-KR" sz="900">
+                <a:solidFill>
+                  <a:schemeClr val="tx1"/>
+                </a:solidFill>
+              </a:rPr>
+              <a:t>Start()</a:t>
+            </a:r>
+          </a:p>
+          <a:p>
+            <a:endParaRPr lang="en-US" altLang="ko-KR" sz="900">
+              <a:solidFill>
+                <a:schemeClr val="tx1"/>
+              </a:solidFill>
+            </a:endParaRPr>
+          </a:p>
+          <a:p>
+            <a:r>
+              <a:rPr lang="en-US" altLang="ko-KR" sz="900">
+                <a:solidFill>
+                  <a:schemeClr val="tx1"/>
+                </a:solidFill>
+              </a:rPr>
+              <a:t>#timestamp 0</a:t>
+            </a:r>
+          </a:p>
+          <a:p>
+            <a:r>
+              <a:rPr lang="en-US" altLang="ko-KR" sz="900">
+                <a:solidFill>
+                  <a:schemeClr val="tx1"/>
+                </a:solidFill>
+              </a:rPr>
+              <a:t>Do Something()</a:t>
+            </a:r>
+          </a:p>
+          <a:p>
+            <a:r>
+              <a:rPr lang="en-US" altLang="ko-KR" sz="900">
+                <a:solidFill>
+                  <a:schemeClr val="tx1"/>
+                </a:solidFill>
+              </a:rPr>
+              <a:t>Delay(1)</a:t>
+            </a:r>
+          </a:p>
+          <a:p>
+            <a:endParaRPr lang="en-US" altLang="ko-KR" sz="900">
+              <a:solidFill>
+                <a:schemeClr val="tx1"/>
+              </a:solidFill>
+            </a:endParaRPr>
+          </a:p>
+          <a:p>
+            <a:r>
+              <a:rPr lang="en-US" altLang="ko-KR" sz="900">
+                <a:solidFill>
+                  <a:schemeClr val="tx1"/>
+                </a:solidFill>
+              </a:rPr>
+              <a:t>#timestamp 1</a:t>
+            </a:r>
+          </a:p>
+          <a:p>
+            <a:r>
+              <a:rPr lang="en-US" altLang="ko-KR" sz="900">
+                <a:solidFill>
+                  <a:schemeClr val="tx1"/>
+                </a:solidFill>
+              </a:rPr>
+              <a:t>A = Measure()</a:t>
+            </a:r>
+          </a:p>
+          <a:p>
+            <a:r>
+              <a:rPr lang="en-US" altLang="ko-KR" sz="900">
+                <a:solidFill>
+                  <a:schemeClr val="tx1"/>
+                </a:solidFill>
+              </a:rPr>
+              <a:t>Delay(1)</a:t>
+            </a:r>
+            <a:endParaRPr lang="ko-KR" altLang="en-US" sz="900">
+              <a:solidFill>
+                <a:schemeClr val="tx1"/>
+              </a:solidFill>
+            </a:endParaRPr>
+          </a:p>
+          <a:p>
+            <a:endParaRPr lang="en-US" altLang="ko-KR" sz="900">
+              <a:solidFill>
+                <a:schemeClr val="tx1"/>
+              </a:solidFill>
+            </a:endParaRPr>
+          </a:p>
+          <a:p>
+            <a:r>
+              <a:rPr lang="en-US" altLang="ko-KR" sz="900">
+                <a:solidFill>
+                  <a:schemeClr val="tx1"/>
+                </a:solidFill>
+              </a:rPr>
+              <a:t>#timestamp 2</a:t>
+            </a:r>
+          </a:p>
+          <a:p>
+            <a:r>
+              <a:rPr lang="en-US" altLang="ko-KR" sz="900">
+                <a:solidFill>
+                  <a:schemeClr val="tx1"/>
+                </a:solidFill>
+              </a:rPr>
+              <a:t>If( A == True )</a:t>
+            </a:r>
+          </a:p>
+          <a:p>
+            <a:r>
+              <a:rPr lang="en-US" altLang="ko-KR" sz="900">
+                <a:solidFill>
+                  <a:schemeClr val="tx1"/>
+                </a:solidFill>
+              </a:rPr>
+              <a:t>    Delay(2)</a:t>
+            </a:r>
+          </a:p>
+          <a:p>
+            <a:r>
+              <a:rPr lang="en-US" altLang="ko-KR" sz="900">
+                <a:solidFill>
+                  <a:schemeClr val="tx1"/>
+                </a:solidFill>
+              </a:rPr>
+              <a:t>    #timestamp 4</a:t>
+            </a:r>
+          </a:p>
+          <a:p>
+            <a:r>
+              <a:rPr lang="en-US" altLang="ko-KR" sz="900">
+                <a:solidFill>
+                  <a:schemeClr val="tx1"/>
+                </a:solidFill>
+              </a:rPr>
+              <a:t>    Do Something()</a:t>
+            </a:r>
+          </a:p>
+          <a:p>
+            <a:endParaRPr lang="en-US" altLang="ko-KR" sz="900">
+              <a:solidFill>
+                <a:schemeClr val="tx1"/>
+              </a:solidFill>
+            </a:endParaRPr>
+          </a:p>
+          <a:p>
+            <a:r>
+              <a:rPr lang="en-US" altLang="ko-KR" sz="900">
+                <a:solidFill>
+                  <a:schemeClr val="tx1"/>
+                </a:solidFill>
+              </a:rPr>
+              <a:t>Else</a:t>
+            </a:r>
+          </a:p>
+          <a:p>
+            <a:r>
+              <a:rPr lang="en-US" altLang="ko-KR" sz="900">
+                <a:solidFill>
+                  <a:schemeClr val="tx1"/>
+                </a:solidFill>
+              </a:rPr>
+              <a:t>    Delay(5)</a:t>
+            </a:r>
+          </a:p>
+          <a:p>
+            <a:r>
+              <a:rPr lang="en-US" altLang="ko-KR" sz="900">
+                <a:solidFill>
+                  <a:schemeClr val="tx1"/>
+                </a:solidFill>
+              </a:rPr>
+              <a:t>    #timestamp 7</a:t>
+            </a:r>
+          </a:p>
+          <a:p>
+            <a:r>
+              <a:rPr lang="en-US" altLang="ko-KR" sz="900">
+                <a:solidFill>
+                  <a:schemeClr val="tx1"/>
+                </a:solidFill>
+              </a:rPr>
+              <a:t>    Do Something()</a:t>
+            </a:r>
+          </a:p>
+          <a:p>
+            <a:endParaRPr lang="en-US" altLang="ko-KR" sz="900">
+              <a:solidFill>
+                <a:schemeClr val="tx1"/>
+              </a:solidFill>
+            </a:endParaRPr>
+          </a:p>
+          <a:p>
+            <a:r>
+              <a:rPr lang="en-US" altLang="ko-KR" sz="900">
+                <a:solidFill>
+                  <a:schemeClr val="tx1"/>
+                </a:solidFill>
+              </a:rPr>
+              <a:t>#back to timestamp 2</a:t>
+            </a:r>
+          </a:p>
+          <a:p>
+            <a:r>
+              <a:rPr lang="en-US" altLang="ko-KR" sz="900">
+                <a:solidFill>
+                  <a:schemeClr val="tx1"/>
+                </a:solidFill>
+              </a:rPr>
+              <a:t>Do Something()</a:t>
+            </a:r>
+          </a:p>
+          <a:p>
+            <a:r>
+              <a:rPr lang="en-US" altLang="ko-KR" sz="900">
+                <a:solidFill>
+                  <a:schemeClr val="tx1"/>
+                </a:solidFill>
+              </a:rPr>
+              <a:t>Delay(1)</a:t>
+            </a:r>
+          </a:p>
+          <a:p>
+            <a:endParaRPr lang="en-US" altLang="ko-KR" sz="900">
+              <a:solidFill>
+                <a:schemeClr val="tx1"/>
+              </a:solidFill>
+            </a:endParaRPr>
+          </a:p>
+          <a:p>
+            <a:r>
+              <a:rPr lang="en-US" altLang="ko-KR" sz="900">
+                <a:solidFill>
+                  <a:schemeClr val="tx1"/>
+                </a:solidFill>
+              </a:rPr>
+              <a:t>#timestamp 3 </a:t>
+            </a:r>
+          </a:p>
+          <a:p>
+            <a:r>
+              <a:rPr lang="en-US" altLang="ko-KR" sz="900">
+                <a:solidFill>
+                  <a:schemeClr val="tx1"/>
+                </a:solidFill>
+              </a:rPr>
+              <a:t>Do Something()</a:t>
+            </a:r>
+          </a:p>
+          <a:p>
+            <a:r>
+              <a:rPr lang="en-US" altLang="ko-KR" sz="900">
+                <a:solidFill>
+                  <a:schemeClr val="tx1"/>
+                </a:solidFill>
+              </a:rPr>
+              <a:t>Delay(2)</a:t>
+            </a:r>
+          </a:p>
+          <a:p>
+            <a:endParaRPr lang="en-US" altLang="ko-KR" sz="900">
+              <a:solidFill>
+                <a:schemeClr val="tx1"/>
+              </a:solidFill>
+            </a:endParaRPr>
+          </a:p>
+          <a:p>
+            <a:r>
+              <a:rPr lang="en-US" altLang="ko-KR" sz="900">
+                <a:solidFill>
+                  <a:schemeClr val="tx1"/>
+                </a:solidFill>
+              </a:rPr>
+              <a:t>#timestamp 5 </a:t>
+            </a:r>
+          </a:p>
+          <a:p>
+            <a:r>
+              <a:rPr lang="en-US" altLang="ko-KR" sz="900">
+                <a:solidFill>
+                  <a:schemeClr val="tx1"/>
+                </a:solidFill>
+              </a:rPr>
+              <a:t>Do Something()</a:t>
+            </a:r>
+          </a:p>
+          <a:p>
+            <a:r>
+              <a:rPr lang="en-US" altLang="ko-KR" sz="900">
+                <a:solidFill>
+                  <a:schemeClr val="tx1"/>
+                </a:solidFill>
+              </a:rPr>
+              <a:t>Delay(1)</a:t>
+            </a:r>
+          </a:p>
+          <a:p>
+            <a:endParaRPr lang="en-US" altLang="ko-KR" sz="900">
+              <a:solidFill>
+                <a:schemeClr val="tx1"/>
+              </a:solidFill>
+            </a:endParaRPr>
+          </a:p>
+          <a:p>
+            <a:r>
+              <a:rPr lang="en-US" altLang="ko-KR" sz="900">
+                <a:solidFill>
+                  <a:schemeClr val="tx1"/>
+                </a:solidFill>
+              </a:rPr>
+              <a:t>#timestamp 6</a:t>
+            </a:r>
+            <a:endParaRPr lang="ko-KR" altLang="en-US" sz="900">
+              <a:solidFill>
+                <a:schemeClr val="tx1"/>
+              </a:solidFill>
+            </a:endParaRPr>
+          </a:p>
+          <a:p>
+            <a:r>
+              <a:rPr lang="en-US" altLang="ko-KR" sz="900">
+                <a:solidFill>
+                  <a:schemeClr val="tx1"/>
+                </a:solidFill>
+              </a:rPr>
+              <a:t>Do Something()</a:t>
+            </a:r>
+          </a:p>
+          <a:p>
+            <a:endParaRPr lang="en-US" altLang="ko-KR" sz="900">
+              <a:solidFill>
+                <a:schemeClr val="tx1"/>
+              </a:solidFill>
+            </a:endParaRPr>
+          </a:p>
+          <a:p>
+            <a:r>
+              <a:rPr lang="en-US" altLang="ko-KR" sz="900">
+                <a:solidFill>
+                  <a:schemeClr val="tx1"/>
+                </a:solidFill>
+              </a:rPr>
+              <a:t>End()</a:t>
+            </a:r>
+          </a:p>
+          <a:p>
+            <a:endParaRPr lang="ko-KR" altLang="en-US" sz="900">
+              <a:solidFill>
+                <a:schemeClr val="tx1"/>
+              </a:solidFill>
+            </a:endParaRPr>
+          </a:p>
+        </p:txBody>
+      </p:sp>
+      <p:sp>
+        <p:nvSpPr>
+          <p:cNvPr id="10" name="화살표: 오른쪽 9">
+            <a:extLst>
+              <a:ext uri="{FF2B5EF4-FFF2-40B4-BE49-F238E27FC236}">
+                <a16:creationId xmlns:a16="http://schemas.microsoft.com/office/drawing/2014/main" id="{CA2445D1-4CE6-F336-418E-0864FE307CB8}"/>
+              </a:ext>
+            </a:extLst>
+          </p:cNvPr>
+          <p:cNvSpPr/>
+          <p:nvPr/>
+        </p:nvSpPr>
+        <p:spPr>
+          <a:xfrm>
+            <a:off x="2122313" y="2658533"/>
+            <a:ext cx="558800" cy="626534"/>
+          </a:xfrm>
+          <a:prstGeom prst="rightArrow">
+            <a:avLst/>
+          </a:prstGeom>
+        </p:spPr>
+        <p:style>
+          <a:lnRef idx="2">
+            <a:schemeClr val="accent1">
+              <a:shade val="50000"/>
+            </a:schemeClr>
+          </a:lnRef>
+          <a:fillRef idx="1">
+            <a:schemeClr val="accent1"/>
+          </a:fillRef>
+          <a:effectRef idx="0">
+            <a:schemeClr val="accent1"/>
+          </a:effectRef>
+          <a:fontRef idx="minor">
+            <a:schemeClr val="lt1"/>
+          </a:fontRef>
+        </p:style>
+        <p:txBody>
+          <a:bodyPr rtlCol="0" anchor="ctr"/>
+          <a:lstStyle/>
+          <a:p>
+            <a:pPr algn="ctr"/>
+            <a:endParaRPr lang="ko-KR" altLang="en-US"/>
+          </a:p>
+        </p:txBody>
+      </p:sp>
+      <p:sp>
+        <p:nvSpPr>
+          <p:cNvPr id="12" name="직사각형 11">
+            <a:extLst>
+              <a:ext uri="{FF2B5EF4-FFF2-40B4-BE49-F238E27FC236}">
+                <a16:creationId xmlns:a16="http://schemas.microsoft.com/office/drawing/2014/main" id="{63723A28-0544-2C22-2E4A-3DF6FE06861B}"/>
+              </a:ext>
+            </a:extLst>
+          </p:cNvPr>
+          <p:cNvSpPr/>
+          <p:nvPr/>
+        </p:nvSpPr>
+        <p:spPr>
+          <a:xfrm>
+            <a:off x="2850459" y="109854"/>
+            <a:ext cx="1597370" cy="6638291"/>
+          </a:xfrm>
+          <a:prstGeom prst="rect">
+            <a:avLst/>
+          </a:prstGeom>
+          <a:noFill/>
+          <a:ln>
+            <a:noFill/>
+          </a:ln>
+        </p:spPr>
+        <p:style>
+          <a:lnRef idx="2">
+            <a:schemeClr val="accent1">
+              <a:shade val="50000"/>
+            </a:schemeClr>
+          </a:lnRef>
+          <a:fillRef idx="1">
+            <a:schemeClr val="accent1"/>
+          </a:fillRef>
+          <a:effectRef idx="0">
+            <a:schemeClr val="accent1"/>
+          </a:effectRef>
+          <a:fontRef idx="minor">
+            <a:schemeClr val="lt1"/>
+          </a:fontRef>
+        </p:style>
+        <p:txBody>
+          <a:bodyPr rtlCol="0" anchor="ctr"/>
+          <a:lstStyle/>
+          <a:p>
+            <a:r>
+              <a:rPr lang="en-US" altLang="ko-KR" sz="900">
+                <a:solidFill>
+                  <a:schemeClr val="tx1"/>
+                </a:solidFill>
+              </a:rPr>
+              <a:t>Start()</a:t>
+            </a:r>
+          </a:p>
+          <a:p>
+            <a:endParaRPr lang="en-US" altLang="ko-KR" sz="900">
+              <a:solidFill>
+                <a:schemeClr val="tx1"/>
+              </a:solidFill>
+            </a:endParaRPr>
+          </a:p>
+          <a:p>
+            <a:r>
+              <a:rPr lang="en-US" altLang="ko-KR" sz="900">
+                <a:solidFill>
+                  <a:schemeClr val="tx1"/>
+                </a:solidFill>
+              </a:rPr>
+              <a:t>#timestamp 0</a:t>
+            </a:r>
+          </a:p>
+          <a:p>
+            <a:r>
+              <a:rPr lang="en-US" altLang="ko-KR" sz="900">
+                <a:solidFill>
+                  <a:schemeClr val="tx1"/>
+                </a:solidFill>
+              </a:rPr>
+              <a:t>Do Something()</a:t>
+            </a:r>
+          </a:p>
+          <a:p>
+            <a:r>
+              <a:rPr lang="en-US" altLang="ko-KR" sz="900">
+                <a:solidFill>
+                  <a:schemeClr val="tx1"/>
+                </a:solidFill>
+              </a:rPr>
+              <a:t>Delay(1)</a:t>
+            </a:r>
+          </a:p>
+          <a:p>
+            <a:endParaRPr lang="en-US" altLang="ko-KR" sz="900">
+              <a:solidFill>
+                <a:schemeClr val="tx1"/>
+              </a:solidFill>
+            </a:endParaRPr>
+          </a:p>
+          <a:p>
+            <a:r>
+              <a:rPr lang="en-US" altLang="ko-KR" sz="900">
+                <a:solidFill>
+                  <a:schemeClr val="tx1"/>
+                </a:solidFill>
+              </a:rPr>
+              <a:t>#timestamp 1</a:t>
+            </a:r>
+          </a:p>
+          <a:p>
+            <a:r>
+              <a:rPr lang="en-US" altLang="ko-KR" sz="900">
+                <a:solidFill>
+                  <a:schemeClr val="tx1"/>
+                </a:solidFill>
+              </a:rPr>
+              <a:t>A = Measure()</a:t>
+            </a:r>
+          </a:p>
+          <a:p>
+            <a:r>
+              <a:rPr lang="en-US" altLang="ko-KR" sz="900">
+                <a:solidFill>
+                  <a:schemeClr val="tx1"/>
+                </a:solidFill>
+              </a:rPr>
+              <a:t>Delay(1)</a:t>
+            </a:r>
+            <a:endParaRPr lang="ko-KR" altLang="en-US" sz="900">
+              <a:solidFill>
+                <a:schemeClr val="tx1"/>
+              </a:solidFill>
+            </a:endParaRPr>
+          </a:p>
+          <a:p>
+            <a:endParaRPr lang="en-US" altLang="ko-KR" sz="900">
+              <a:solidFill>
+                <a:schemeClr val="tx1"/>
+              </a:solidFill>
+            </a:endParaRPr>
+          </a:p>
+          <a:p>
+            <a:r>
+              <a:rPr lang="en-US" altLang="ko-KR" sz="900">
+                <a:solidFill>
+                  <a:schemeClr val="tx1"/>
+                </a:solidFill>
+              </a:rPr>
+              <a:t>#timestamp 2</a:t>
+            </a:r>
+          </a:p>
+          <a:p>
+            <a:r>
+              <a:rPr lang="en-US" altLang="ko-KR" sz="900">
+                <a:solidFill>
+                  <a:schemeClr val="tx1"/>
+                </a:solidFill>
+              </a:rPr>
+              <a:t>If( A == True )</a:t>
+            </a:r>
+          </a:p>
+          <a:p>
+            <a:r>
+              <a:rPr lang="en-US" altLang="ko-KR" sz="900">
+                <a:solidFill>
+                  <a:schemeClr val="tx1"/>
+                </a:solidFill>
+              </a:rPr>
+              <a:t>    #timestamp 2</a:t>
+            </a:r>
+          </a:p>
+          <a:p>
+            <a:r>
+              <a:rPr lang="en-US" altLang="ko-KR" sz="900">
+                <a:solidFill>
+                  <a:schemeClr val="tx1"/>
+                </a:solidFill>
+              </a:rPr>
+              <a:t>    Do Something()</a:t>
+            </a:r>
+          </a:p>
+          <a:p>
+            <a:r>
+              <a:rPr lang="en-US" altLang="ko-KR" sz="900">
+                <a:solidFill>
+                  <a:schemeClr val="tx1"/>
+                </a:solidFill>
+              </a:rPr>
+              <a:t>    Delay(1)</a:t>
+            </a:r>
+          </a:p>
+          <a:p>
+            <a:r>
+              <a:rPr lang="en-US" altLang="ko-KR" sz="900">
+                <a:solidFill>
+                  <a:schemeClr val="tx1"/>
+                </a:solidFill>
+              </a:rPr>
+              <a:t>    #timestamp 3</a:t>
+            </a:r>
+          </a:p>
+          <a:p>
+            <a:r>
+              <a:rPr lang="en-US" altLang="ko-KR" sz="900">
+                <a:solidFill>
+                  <a:schemeClr val="tx1"/>
+                </a:solidFill>
+              </a:rPr>
+              <a:t>    Do Something()</a:t>
+            </a:r>
+          </a:p>
+          <a:p>
+            <a:r>
+              <a:rPr lang="en-US" altLang="ko-KR" sz="900">
+                <a:solidFill>
+                  <a:schemeClr val="tx1"/>
+                </a:solidFill>
+              </a:rPr>
+              <a:t>    Delay(1)</a:t>
+            </a:r>
+          </a:p>
+          <a:p>
+            <a:r>
+              <a:rPr lang="en-US" altLang="ko-KR" sz="900">
+                <a:solidFill>
+                  <a:schemeClr val="tx1"/>
+                </a:solidFill>
+              </a:rPr>
+              <a:t>    #timestamp 4</a:t>
+            </a:r>
+          </a:p>
+          <a:p>
+            <a:r>
+              <a:rPr lang="en-US" altLang="ko-KR" sz="900">
+                <a:solidFill>
+                  <a:schemeClr val="tx1"/>
+                </a:solidFill>
+              </a:rPr>
+              <a:t>    Do Something()</a:t>
+            </a:r>
+          </a:p>
+          <a:p>
+            <a:r>
+              <a:rPr lang="en-US" altLang="ko-KR" sz="900">
+                <a:solidFill>
+                  <a:schemeClr val="tx1"/>
+                </a:solidFill>
+              </a:rPr>
+              <a:t>    Delay(1)</a:t>
+            </a:r>
+          </a:p>
+          <a:p>
+            <a:r>
+              <a:rPr lang="en-US" altLang="ko-KR" sz="900">
+                <a:solidFill>
+                  <a:schemeClr val="tx1"/>
+                </a:solidFill>
+              </a:rPr>
+              <a:t>    #timestamp 5</a:t>
+            </a:r>
+          </a:p>
+          <a:p>
+            <a:r>
+              <a:rPr lang="en-US" altLang="ko-KR" sz="900">
+                <a:solidFill>
+                  <a:schemeClr val="tx1"/>
+                </a:solidFill>
+              </a:rPr>
+              <a:t>    Do Something()</a:t>
+            </a:r>
+          </a:p>
+          <a:p>
+            <a:r>
+              <a:rPr lang="en-US" altLang="ko-KR" sz="900">
+                <a:solidFill>
+                  <a:schemeClr val="tx1"/>
+                </a:solidFill>
+              </a:rPr>
+              <a:t>    Delay(1)</a:t>
+            </a:r>
+          </a:p>
+          <a:p>
+            <a:r>
+              <a:rPr lang="en-US" altLang="ko-KR" sz="900">
+                <a:solidFill>
+                  <a:schemeClr val="tx1"/>
+                </a:solidFill>
+              </a:rPr>
+              <a:t>    #timestamp 6</a:t>
+            </a:r>
+            <a:endParaRPr lang="ko-KR" altLang="en-US" sz="900">
+              <a:solidFill>
+                <a:schemeClr val="tx1"/>
+              </a:solidFill>
+            </a:endParaRPr>
+          </a:p>
+          <a:p>
+            <a:r>
+              <a:rPr lang="en-US" altLang="ko-KR" sz="900">
+                <a:solidFill>
+                  <a:schemeClr val="tx1"/>
+                </a:solidFill>
+              </a:rPr>
+              <a:t>    Do Something()</a:t>
+            </a:r>
+          </a:p>
+          <a:p>
+            <a:endParaRPr lang="en-US" altLang="ko-KR" sz="900">
+              <a:solidFill>
+                <a:schemeClr val="tx1"/>
+              </a:solidFill>
+            </a:endParaRPr>
+          </a:p>
+          <a:p>
+            <a:r>
+              <a:rPr lang="en-US" altLang="ko-KR" sz="900">
+                <a:solidFill>
+                  <a:schemeClr val="tx1"/>
+                </a:solidFill>
+              </a:rPr>
+              <a:t>Else</a:t>
+            </a:r>
+          </a:p>
+          <a:p>
+            <a:r>
+              <a:rPr lang="en-US" altLang="ko-KR" sz="900">
+                <a:solidFill>
+                  <a:schemeClr val="tx1"/>
+                </a:solidFill>
+              </a:rPr>
+              <a:t>    #timestamp 2</a:t>
+            </a:r>
+          </a:p>
+          <a:p>
+            <a:r>
+              <a:rPr lang="en-US" altLang="ko-KR" sz="900">
+                <a:solidFill>
+                  <a:schemeClr val="tx1"/>
+                </a:solidFill>
+              </a:rPr>
+              <a:t>    Do Something()</a:t>
+            </a:r>
+          </a:p>
+          <a:p>
+            <a:r>
+              <a:rPr lang="en-US" altLang="ko-KR" sz="900">
+                <a:solidFill>
+                  <a:schemeClr val="tx1"/>
+                </a:solidFill>
+              </a:rPr>
+              <a:t>    Delay(1)</a:t>
+            </a:r>
+          </a:p>
+          <a:p>
+            <a:r>
+              <a:rPr lang="en-US" altLang="ko-KR" sz="900">
+                <a:solidFill>
+                  <a:schemeClr val="tx1"/>
+                </a:solidFill>
+              </a:rPr>
+              <a:t>    #timestamp 3</a:t>
+            </a:r>
+          </a:p>
+          <a:p>
+            <a:r>
+              <a:rPr lang="en-US" altLang="ko-KR" sz="900">
+                <a:solidFill>
+                  <a:schemeClr val="tx1"/>
+                </a:solidFill>
+              </a:rPr>
+              <a:t>    Do Something()</a:t>
+            </a:r>
+          </a:p>
+          <a:p>
+            <a:r>
+              <a:rPr lang="en-US" altLang="ko-KR" sz="900">
+                <a:solidFill>
+                  <a:schemeClr val="tx1"/>
+                </a:solidFill>
+              </a:rPr>
+              <a:t>    Delay(1)</a:t>
+            </a:r>
+          </a:p>
+          <a:p>
+            <a:r>
+              <a:rPr lang="en-US" altLang="ko-KR" sz="900">
+                <a:solidFill>
+                  <a:schemeClr val="tx1"/>
+                </a:solidFill>
+              </a:rPr>
+              <a:t>    #timestamp 5</a:t>
+            </a:r>
+          </a:p>
+          <a:p>
+            <a:r>
+              <a:rPr lang="en-US" altLang="ko-KR" sz="900">
+                <a:solidFill>
+                  <a:schemeClr val="tx1"/>
+                </a:solidFill>
+              </a:rPr>
+              <a:t>    Do Something()</a:t>
+            </a:r>
+          </a:p>
+          <a:p>
+            <a:r>
+              <a:rPr lang="en-US" altLang="ko-KR" sz="900">
+                <a:solidFill>
+                  <a:schemeClr val="tx1"/>
+                </a:solidFill>
+              </a:rPr>
+              <a:t>    Delay(1)</a:t>
+            </a:r>
+          </a:p>
+          <a:p>
+            <a:r>
+              <a:rPr lang="en-US" altLang="ko-KR" sz="900">
+                <a:solidFill>
+                  <a:schemeClr val="tx1"/>
+                </a:solidFill>
+              </a:rPr>
+              <a:t>    #timestamp 6</a:t>
+            </a:r>
+            <a:endParaRPr lang="ko-KR" altLang="en-US" sz="900">
+              <a:solidFill>
+                <a:schemeClr val="tx1"/>
+              </a:solidFill>
+            </a:endParaRPr>
+          </a:p>
+          <a:p>
+            <a:r>
+              <a:rPr lang="en-US" altLang="ko-KR" sz="900">
+                <a:solidFill>
+                  <a:schemeClr val="tx1"/>
+                </a:solidFill>
+              </a:rPr>
+              <a:t>    Do Something()</a:t>
+            </a:r>
+          </a:p>
+          <a:p>
+            <a:r>
+              <a:rPr lang="en-US" altLang="ko-KR" sz="900">
+                <a:solidFill>
+                  <a:schemeClr val="tx1"/>
+                </a:solidFill>
+              </a:rPr>
+              <a:t>    Delay(1)</a:t>
+            </a:r>
+          </a:p>
+          <a:p>
+            <a:r>
+              <a:rPr lang="en-US" altLang="ko-KR" sz="900">
+                <a:solidFill>
+                  <a:schemeClr val="tx1"/>
+                </a:solidFill>
+              </a:rPr>
+              <a:t>    #timestamp 7</a:t>
+            </a:r>
+          </a:p>
+          <a:p>
+            <a:r>
+              <a:rPr lang="en-US" altLang="ko-KR" sz="900">
+                <a:solidFill>
+                  <a:schemeClr val="tx1"/>
+                </a:solidFill>
+              </a:rPr>
+              <a:t>    Do Something()</a:t>
+            </a:r>
+          </a:p>
+          <a:p>
+            <a:endParaRPr lang="en-US" altLang="ko-KR" sz="900">
+              <a:solidFill>
+                <a:schemeClr val="tx1"/>
+              </a:solidFill>
+            </a:endParaRPr>
+          </a:p>
+          <a:p>
+            <a:r>
+              <a:rPr lang="en-US" altLang="ko-KR" sz="900">
+                <a:solidFill>
+                  <a:schemeClr val="tx1"/>
+                </a:solidFill>
+              </a:rPr>
+              <a:t>End()</a:t>
+            </a:r>
+          </a:p>
+          <a:p>
+            <a:endParaRPr lang="ko-KR" altLang="en-US" sz="900">
+              <a:solidFill>
+                <a:schemeClr val="tx1"/>
+              </a:solidFill>
+            </a:endParaRPr>
+          </a:p>
+        </p:txBody>
+      </p:sp>
+      <p:sp>
+        <p:nvSpPr>
+          <p:cNvPr id="14" name="화살표: 오른쪽 13">
+            <a:extLst>
+              <a:ext uri="{FF2B5EF4-FFF2-40B4-BE49-F238E27FC236}">
+                <a16:creationId xmlns:a16="http://schemas.microsoft.com/office/drawing/2014/main" id="{0C822A05-ED54-7082-70AD-41B02EC259F7}"/>
+              </a:ext>
+            </a:extLst>
+          </p:cNvPr>
+          <p:cNvSpPr/>
+          <p:nvPr/>
+        </p:nvSpPr>
+        <p:spPr>
+          <a:xfrm>
+            <a:off x="4532497" y="2658533"/>
+            <a:ext cx="558800" cy="626534"/>
+          </a:xfrm>
+          <a:prstGeom prst="rightArrow">
+            <a:avLst/>
+          </a:prstGeom>
+        </p:spPr>
+        <p:style>
+          <a:lnRef idx="2">
+            <a:schemeClr val="accent1">
+              <a:shade val="50000"/>
+            </a:schemeClr>
+          </a:lnRef>
+          <a:fillRef idx="1">
+            <a:schemeClr val="accent1"/>
+          </a:fillRef>
+          <a:effectRef idx="0">
+            <a:schemeClr val="accent1"/>
+          </a:effectRef>
+          <a:fontRef idx="minor">
+            <a:schemeClr val="lt1"/>
+          </a:fontRef>
+        </p:style>
+        <p:txBody>
+          <a:bodyPr rtlCol="0" anchor="ctr"/>
+          <a:lstStyle/>
+          <a:p>
+            <a:pPr algn="ctr"/>
+            <a:endParaRPr lang="ko-KR" altLang="en-US"/>
+          </a:p>
+        </p:txBody>
+      </p:sp>
+      <p:sp>
+        <p:nvSpPr>
+          <p:cNvPr id="15" name="직사각형 14">
+            <a:extLst>
+              <a:ext uri="{FF2B5EF4-FFF2-40B4-BE49-F238E27FC236}">
+                <a16:creationId xmlns:a16="http://schemas.microsoft.com/office/drawing/2014/main" id="{3956B543-DB3A-F369-C02D-2DAB53DC451D}"/>
+              </a:ext>
+            </a:extLst>
+          </p:cNvPr>
+          <p:cNvSpPr/>
+          <p:nvPr/>
+        </p:nvSpPr>
+        <p:spPr>
+          <a:xfrm>
+            <a:off x="3975821" y="1979370"/>
+            <a:ext cx="1597370" cy="626534"/>
+          </a:xfrm>
+          <a:prstGeom prst="rect">
+            <a:avLst/>
+          </a:prstGeom>
+          <a:noFill/>
+          <a:ln>
+            <a:noFill/>
+          </a:ln>
+        </p:spPr>
+        <p:style>
+          <a:lnRef idx="2">
+            <a:schemeClr val="accent1">
+              <a:shade val="50000"/>
+            </a:schemeClr>
+          </a:lnRef>
+          <a:fillRef idx="1">
+            <a:schemeClr val="accent1"/>
+          </a:fillRef>
+          <a:effectRef idx="0">
+            <a:schemeClr val="accent1"/>
+          </a:effectRef>
+          <a:fontRef idx="minor">
+            <a:schemeClr val="lt1"/>
+          </a:fontRef>
+        </p:style>
+        <p:txBody>
+          <a:bodyPr rtlCol="0" anchor="t"/>
+          <a:lstStyle/>
+          <a:p>
+            <a:pPr algn="ctr"/>
+            <a:r>
+              <a:rPr lang="en-US" altLang="ko-KR" sz="900">
+                <a:solidFill>
+                  <a:schemeClr val="tx1"/>
+                </a:solidFill>
+              </a:rPr>
+              <a:t>Interpreter(in PC)</a:t>
+            </a:r>
+          </a:p>
+          <a:p>
+            <a:pPr algn="ctr"/>
+            <a:r>
+              <a:rPr lang="en-US" altLang="ko-KR" sz="900">
+                <a:solidFill>
+                  <a:schemeClr val="tx1"/>
+                </a:solidFill>
+              </a:rPr>
+              <a:t>From Python to C</a:t>
+            </a:r>
+          </a:p>
+          <a:p>
+            <a:pPr algn="ctr"/>
+            <a:r>
+              <a:rPr lang="en-US" altLang="ko-KR" sz="900">
+                <a:solidFill>
+                  <a:schemeClr val="tx1"/>
+                </a:solidFill>
+              </a:rPr>
+              <a:t>AT FUTURE</a:t>
+            </a:r>
+            <a:endParaRPr lang="ko-KR" altLang="en-US" sz="900">
+              <a:solidFill>
+                <a:schemeClr val="tx1"/>
+              </a:solidFill>
+            </a:endParaRPr>
+          </a:p>
+        </p:txBody>
+      </p:sp>
+      <p:sp>
+        <p:nvSpPr>
+          <p:cNvPr id="16" name="직사각형 15">
+            <a:extLst>
+              <a:ext uri="{FF2B5EF4-FFF2-40B4-BE49-F238E27FC236}">
+                <a16:creationId xmlns:a16="http://schemas.microsoft.com/office/drawing/2014/main" id="{572C1178-CBA1-6A01-3906-40EBBA812A83}"/>
+              </a:ext>
+            </a:extLst>
+          </p:cNvPr>
+          <p:cNvSpPr/>
+          <p:nvPr/>
+        </p:nvSpPr>
+        <p:spPr>
+          <a:xfrm>
+            <a:off x="5294492" y="248356"/>
+            <a:ext cx="2906886" cy="6152443"/>
+          </a:xfrm>
+          <a:prstGeom prst="rect">
+            <a:avLst/>
+          </a:prstGeom>
+          <a:noFill/>
+          <a:ln>
+            <a:noFill/>
+          </a:ln>
+        </p:spPr>
+        <p:style>
+          <a:lnRef idx="2">
+            <a:schemeClr val="accent1">
+              <a:shade val="50000"/>
+            </a:schemeClr>
+          </a:lnRef>
+          <a:fillRef idx="1">
+            <a:schemeClr val="accent1"/>
+          </a:fillRef>
+          <a:effectRef idx="0">
+            <a:schemeClr val="accent1"/>
+          </a:effectRef>
+          <a:fontRef idx="minor">
+            <a:schemeClr val="lt1"/>
+          </a:fontRef>
+        </p:style>
+        <p:txBody>
+          <a:bodyPr rtlCol="0" anchor="t"/>
+          <a:lstStyle/>
+          <a:p>
+            <a:r>
+              <a:rPr lang="en-US" altLang="ko-KR" sz="900">
+                <a:solidFill>
+                  <a:schemeClr val="tx1"/>
+                </a:solidFill>
+              </a:rPr>
+              <a:t>#define RTO_ADDRESS 0xF0000000</a:t>
+            </a:r>
+          </a:p>
+          <a:p>
+            <a:endParaRPr lang="en-US" altLang="ko-KR" sz="900">
+              <a:solidFill>
+                <a:schemeClr val="tx1"/>
+              </a:solidFill>
+            </a:endParaRPr>
+          </a:p>
+          <a:p>
+            <a:r>
+              <a:rPr lang="en-US" altLang="ko-KR" sz="900">
+                <a:solidFill>
+                  <a:schemeClr val="tx1"/>
+                </a:solidFill>
+              </a:rPr>
+              <a:t>...</a:t>
+            </a:r>
+          </a:p>
+          <a:p>
+            <a:endParaRPr lang="en-US" altLang="ko-KR" sz="900">
+              <a:solidFill>
+                <a:schemeClr val="tx1"/>
+              </a:solidFill>
+            </a:endParaRPr>
+          </a:p>
+          <a:p>
+            <a:r>
+              <a:rPr lang="en-US" altLang="ko-KR" sz="900">
+                <a:solidFill>
+                  <a:schemeClr val="tx1"/>
+                </a:solidFill>
+              </a:rPr>
+              <a:t>int main(){</a:t>
+            </a:r>
+          </a:p>
+          <a:p>
+            <a:r>
+              <a:rPr lang="en-US" altLang="ko-KR" sz="900">
+                <a:solidFill>
+                  <a:schemeClr val="tx1"/>
+                </a:solidFill>
+              </a:rPr>
+              <a:t>    uint32 *rto = RTO_ADDRESS;</a:t>
+            </a:r>
+          </a:p>
+          <a:p>
+            <a:r>
+              <a:rPr lang="en-US" altLang="ko-KR" sz="900">
+                <a:solidFill>
+                  <a:schemeClr val="tx1"/>
+                </a:solidFill>
+              </a:rPr>
+              <a:t>    uint32 *rti = RTI_ADDRESS;</a:t>
+            </a:r>
+          </a:p>
+          <a:p>
+            <a:r>
+              <a:rPr lang="en-US" altLang="ko-KR" sz="900">
+                <a:solidFill>
+                  <a:schemeClr val="tx1"/>
+                </a:solidFill>
+              </a:rPr>
+              <a:t>    uint32 *measure_done = MEASURE_DONE;</a:t>
+            </a:r>
+          </a:p>
+          <a:p>
+            <a:r>
+              <a:rPr lang="en-US" altLang="ko-KR" sz="900">
+                <a:solidFill>
+                  <a:schemeClr val="tx1"/>
+                </a:solidFill>
+              </a:rPr>
+              <a:t>    uint64 timestamp = 0;</a:t>
+            </a:r>
+          </a:p>
+          <a:p>
+            <a:r>
+              <a:rPr lang="en-US" altLang="ko-KR" sz="900">
+                <a:solidFill>
+                  <a:schemeClr val="tx1"/>
+                </a:solidFill>
+              </a:rPr>
+              <a:t>    ...</a:t>
+            </a:r>
+          </a:p>
+          <a:p>
+            <a:endParaRPr lang="en-US" altLang="ko-KR" sz="900">
+              <a:solidFill>
+                <a:schemeClr val="tx1"/>
+              </a:solidFill>
+            </a:endParaRPr>
+          </a:p>
+          <a:p>
+            <a:r>
+              <a:rPr lang="en-US" altLang="ko-KR" sz="900">
+                <a:solidFill>
+                  <a:schemeClr val="tx1"/>
+                </a:solidFill>
+              </a:rPr>
+              <a:t>    *rto = timestamp | DO_SOMETHING;</a:t>
+            </a:r>
+          </a:p>
+          <a:p>
+            <a:r>
+              <a:rPr lang="en-US" altLang="ko-KR" sz="900">
+                <a:solidFill>
+                  <a:schemeClr val="tx1"/>
+                </a:solidFill>
+              </a:rPr>
+              <a:t>    *rto_push = 1;</a:t>
+            </a:r>
+          </a:p>
+          <a:p>
+            <a:r>
+              <a:rPr lang="en-US" altLang="ko-KR" sz="900">
+                <a:solidFill>
+                  <a:schemeClr val="tx1"/>
+                </a:solidFill>
+              </a:rPr>
+              <a:t>    while( rto_push_done == 0 ){</a:t>
+            </a:r>
+          </a:p>
+          <a:p>
+            <a:r>
+              <a:rPr lang="en-US" altLang="ko-KR" sz="900">
+                <a:solidFill>
+                  <a:schemeClr val="tx1"/>
+                </a:solidFill>
+              </a:rPr>
+              <a:t>        *rto_push = 0;</a:t>
+            </a:r>
+          </a:p>
+          <a:p>
+            <a:r>
+              <a:rPr lang="en-US" altLang="ko-KR" sz="900">
+                <a:solidFill>
+                  <a:schemeClr val="tx1"/>
+                </a:solidFill>
+              </a:rPr>
+              <a:t>    } </a:t>
+            </a:r>
+          </a:p>
+          <a:p>
+            <a:r>
+              <a:rPr lang="en-US" altLang="ko-KR" sz="900">
+                <a:solidFill>
+                  <a:schemeClr val="tx1"/>
+                </a:solidFill>
+              </a:rPr>
+              <a:t>    timestamp += 1;</a:t>
+            </a:r>
+          </a:p>
+          <a:p>
+            <a:endParaRPr lang="en-US" altLang="ko-KR" sz="900">
+              <a:solidFill>
+                <a:schemeClr val="tx1"/>
+              </a:solidFill>
+            </a:endParaRPr>
+          </a:p>
+          <a:p>
+            <a:r>
+              <a:rPr lang="en-US" altLang="ko-KR" sz="900">
+                <a:solidFill>
+                  <a:schemeClr val="tx1"/>
+                </a:solidFill>
+              </a:rPr>
+              <a:t>    *rto = timestamp | MEASURE;</a:t>
+            </a:r>
+          </a:p>
+          <a:p>
+            <a:r>
+              <a:rPr lang="en-US" altLang="ko-KR" sz="900">
+                <a:solidFill>
+                  <a:schemeClr val="tx1"/>
+                </a:solidFill>
+              </a:rPr>
+              <a:t>    while( rto_push_done == 0 ){</a:t>
+            </a:r>
+          </a:p>
+          <a:p>
+            <a:r>
+              <a:rPr lang="en-US" altLang="ko-KR" sz="900">
+                <a:solidFill>
+                  <a:schemeClr val="tx1"/>
+                </a:solidFill>
+              </a:rPr>
+              <a:t>        *rto_push = 0;</a:t>
+            </a:r>
+          </a:p>
+          <a:p>
+            <a:r>
+              <a:rPr lang="en-US" altLang="ko-KR" sz="900">
+                <a:solidFill>
+                  <a:schemeClr val="tx1"/>
+                </a:solidFill>
+              </a:rPr>
+              <a:t>    }</a:t>
+            </a:r>
+          </a:p>
+          <a:p>
+            <a:endParaRPr lang="en-US" altLang="ko-KR" sz="900">
+              <a:solidFill>
+                <a:schemeClr val="tx1"/>
+              </a:solidFill>
+            </a:endParaRPr>
+          </a:p>
+          <a:p>
+            <a:r>
+              <a:rPr lang="en-US" altLang="ko-KR" sz="900">
+                <a:solidFill>
+                  <a:schemeClr val="tx1"/>
+                </a:solidFill>
+              </a:rPr>
+              <a:t>    while(1){</a:t>
+            </a:r>
+          </a:p>
+          <a:p>
+            <a:r>
+              <a:rPr lang="en-US" altLang="ko-KR" sz="900">
+                <a:solidFill>
+                  <a:schemeClr val="tx1"/>
+                </a:solidFill>
+              </a:rPr>
+              <a:t>        if( measure_done ){</a:t>
+            </a:r>
+          </a:p>
+          <a:p>
+            <a:r>
+              <a:rPr lang="en-US" altLang="ko-KR" sz="900">
+                <a:solidFill>
+                  <a:schemeClr val="tx1"/>
+                </a:solidFill>
+              </a:rPr>
+              <a:t>            A = *rti;</a:t>
+            </a:r>
+          </a:p>
+          <a:p>
+            <a:r>
+              <a:rPr lang="en-US" altLang="ko-KR" sz="900">
+                <a:solidFill>
+                  <a:schemeClr val="tx1"/>
+                </a:solidFill>
+              </a:rPr>
+              <a:t>            break;</a:t>
+            </a:r>
+          </a:p>
+          <a:p>
+            <a:r>
+              <a:rPr lang="en-US" altLang="ko-KR" sz="900">
+                <a:solidFill>
+                  <a:schemeClr val="tx1"/>
+                </a:solidFill>
+              </a:rPr>
+              <a:t>        }</a:t>
+            </a:r>
+          </a:p>
+          <a:p>
+            <a:r>
+              <a:rPr lang="en-US" altLang="ko-KR" sz="900">
+                <a:solidFill>
+                  <a:schemeClr val="tx1"/>
+                </a:solidFill>
+              </a:rPr>
+              <a:t>    }</a:t>
+            </a:r>
+          </a:p>
+          <a:p>
+            <a:endParaRPr lang="en-US" altLang="ko-KR" sz="900">
+              <a:solidFill>
+                <a:schemeClr val="tx1"/>
+              </a:solidFill>
+            </a:endParaRPr>
+          </a:p>
+          <a:p>
+            <a:r>
+              <a:rPr lang="en-US" altLang="ko-KR" sz="900">
+                <a:solidFill>
+                  <a:schemeClr val="tx1"/>
+                </a:solidFill>
+              </a:rPr>
+              <a:t>    if( A == 1 ){</a:t>
+            </a:r>
+          </a:p>
+          <a:p>
+            <a:r>
+              <a:rPr lang="en-US" altLang="ko-KR" sz="900">
+                <a:solidFill>
+                  <a:schemeClr val="tx1"/>
+                </a:solidFill>
+              </a:rPr>
+              <a:t>        timestamp += 2;</a:t>
+            </a:r>
+          </a:p>
+          <a:p>
+            <a:r>
+              <a:rPr lang="en-US" altLang="ko-KR" sz="900">
+                <a:solidFill>
+                  <a:schemeClr val="tx1"/>
+                </a:solidFill>
+              </a:rPr>
+              <a:t>        *rto = timestamp | DO_SOMETHING;</a:t>
+            </a:r>
+          </a:p>
+          <a:p>
+            <a:r>
+              <a:rPr lang="en-US" altLang="ko-KR" sz="900">
+                <a:solidFill>
+                  <a:schemeClr val="tx1"/>
+                </a:solidFill>
+              </a:rPr>
+              <a:t>        while( rto_push_done == 0 ){</a:t>
+            </a:r>
+          </a:p>
+          <a:p>
+            <a:r>
+              <a:rPr lang="en-US" altLang="ko-KR" sz="900">
+                <a:solidFill>
+                  <a:schemeClr val="tx1"/>
+                </a:solidFill>
+              </a:rPr>
+              <a:t>            *rto_push = 0;</a:t>
+            </a:r>
+          </a:p>
+          <a:p>
+            <a:r>
+              <a:rPr lang="en-US" altLang="ko-KR" sz="900">
+                <a:solidFill>
+                  <a:schemeClr val="tx1"/>
+                </a:solidFill>
+              </a:rPr>
+              <a:t>        }</a:t>
+            </a:r>
+          </a:p>
+          <a:p>
+            <a:r>
+              <a:rPr lang="en-US" altLang="ko-KR" sz="900">
+                <a:solidFill>
+                  <a:schemeClr val="tx1"/>
+                </a:solidFill>
+              </a:rPr>
+              <a:t>    }</a:t>
+            </a:r>
+          </a:p>
+          <a:p>
+            <a:r>
+              <a:rPr lang="en-US" altLang="ko-KR" sz="900">
+                <a:solidFill>
+                  <a:schemeClr val="tx1"/>
+                </a:solidFill>
+              </a:rPr>
+              <a:t>    else{</a:t>
+            </a:r>
+          </a:p>
+          <a:p>
+            <a:r>
+              <a:rPr lang="en-US" altLang="ko-KR" sz="900">
+                <a:solidFill>
+                  <a:schemeClr val="tx1"/>
+                </a:solidFill>
+              </a:rPr>
+              <a:t>        ...</a:t>
+            </a:r>
+          </a:p>
+          <a:p>
+            <a:r>
+              <a:rPr lang="en-US" altLang="ko-KR" sz="900">
+                <a:solidFill>
+                  <a:schemeClr val="tx1"/>
+                </a:solidFill>
+              </a:rPr>
+              <a:t>    }</a:t>
+            </a:r>
+          </a:p>
+          <a:p>
+            <a:r>
+              <a:rPr lang="en-US" altLang="ko-KR" sz="900">
+                <a:solidFill>
+                  <a:schemeClr val="tx1"/>
+                </a:solidFill>
+              </a:rPr>
+              <a:t>    ...</a:t>
+            </a:r>
+          </a:p>
+          <a:p>
+            <a:r>
+              <a:rPr lang="en-US" altLang="ko-KR" sz="900">
+                <a:solidFill>
+                  <a:schemeClr val="tx1"/>
+                </a:solidFill>
+              </a:rPr>
+              <a:t>}</a:t>
+            </a:r>
+            <a:endParaRPr lang="ko-KR" altLang="en-US" sz="900">
+              <a:solidFill>
+                <a:schemeClr val="tx1"/>
+              </a:solidFill>
+            </a:endParaRPr>
+          </a:p>
+        </p:txBody>
+      </p:sp>
+    </p:spTree>
+    <p:extLst>
+      <p:ext uri="{BB962C8B-B14F-4D97-AF65-F5344CB8AC3E}">
+        <p14:creationId xmlns:p14="http://schemas.microsoft.com/office/powerpoint/2010/main" val="3645586379"/>
+      </p:ext>
+    </p:extLst>
+  </p:cSld>
+  <p:clrMapOvr>
+    <a:masterClrMapping/>
+  </p:clrMapOvr>
+</p:sld>
+</file>
+
+<file path=ppt/slides/slide15.xml><?xml version="1.0" encoding="utf-8"?>
+<p:sld xmlns:a="http://schemas.openxmlformats.org/drawingml/2006/main" xmlns:r="http://schemas.openxmlformats.org/officeDocument/2006/relationships" xmlns:p="http://schemas.openxmlformats.org/presentationml/2006/main">
+  <p:cSld>
+    <p:spTree>
+      <p:nvGrpSpPr>
+        <p:cNvPr id="1" name=""/>
+        <p:cNvGrpSpPr/>
+        <p:nvPr/>
+      </p:nvGrpSpPr>
+      <p:grpSpPr>
+        <a:xfrm>
+          <a:off x="0" y="0"/>
+          <a:ext cx="0" cy="0"/>
+          <a:chOff x="0" y="0"/>
+          <a:chExt cx="0" cy="0"/>
+        </a:xfrm>
+      </p:grpSpPr>
+      <p:sp>
+        <p:nvSpPr>
           <p:cNvPr id="4" name="내용 개체 틀 2">
             <a:extLst>
               <a:ext uri="{FF2B5EF4-FFF2-40B4-BE49-F238E27FC236}">
@@ -21947,6 +24072,7 @@
             </a:extLst>
           </p:cNvPr>
           <p:cNvCxnSpPr>
+            <a:cxnSpLocks/>
             <a:stCxn id="14" idx="2"/>
             <a:endCxn id="19" idx="0"/>
           </p:cNvCxnSpPr>
